--- a/Шевченко ПО-02б.pptx
+++ b/Шевченко ПО-02б.pptx
@@ -4517,13 +4517,8 @@
             </a:r>
             <a:r>
               <a:rPr lang="ru-RU" sz="1400" dirty="0" smtClean="0"/>
-              <a:t> - это определенный участок игрового мира, который имеет свои границы и может содержать объекты, персонажей и различные интерактивные элементы</a:t>
-            </a:r>
-            <a:r>
-              <a:rPr lang="ru-RU" sz="1400" dirty="0" smtClean="0"/>
-              <a:t>.</a:t>
-            </a:r>
-            <a:endParaRPr lang="ru-RU" sz="1400" dirty="0" smtClean="0"/>
+              <a:t> - это определенный участок игрового мира, который имеет свои границы и может содержать объекты, персонажей и различные интерактивные элементы.</a:t>
+            </a:r>
           </a:p>
           <a:p>
             <a:r>
@@ -4532,19 +4527,7 @@
             </a:r>
             <a:r>
               <a:rPr lang="ru-RU" sz="1400" dirty="0" smtClean="0"/>
-              <a:t> - это любой элемент в игре, с которым </a:t>
-            </a:r>
-            <a:r>
-              <a:rPr lang="ru-RU" sz="1400" dirty="0" smtClean="0"/>
-              <a:t>пользователь </a:t>
-            </a:r>
-            <a:r>
-              <a:rPr lang="ru-RU" sz="1400" dirty="0" smtClean="0"/>
-              <a:t>может взаимодействовать. Это может быть предмет, дверь, сундук, </a:t>
-            </a:r>
-            <a:r>
-              <a:rPr lang="ru-RU" sz="1400" dirty="0" smtClean="0"/>
-              <a:t>портал и т.д.</a:t>
+              <a:t> - это любой элемент в игре, с которым пользователь может взаимодействовать. Это может быть предмет, дверь, сундук, портал и т.д.</a:t>
             </a:r>
           </a:p>
           <a:p>
@@ -4554,29 +4537,8 @@
             </a:r>
             <a:r>
               <a:rPr lang="ru-RU" sz="1400" dirty="0" smtClean="0"/>
-              <a:t> - это игровой </a:t>
-            </a:r>
-            <a:r>
-              <a:rPr lang="ru-RU" sz="1400" dirty="0" smtClean="0"/>
-              <a:t>объект, </a:t>
-            </a:r>
-            <a:r>
-              <a:rPr lang="ru-RU" sz="1400" dirty="0" smtClean="0"/>
-              <a:t>которым </a:t>
-            </a:r>
-            <a:r>
-              <a:rPr lang="ru-RU" sz="1400" dirty="0" smtClean="0"/>
-              <a:t>может взаимодействовать с другими объектами и персонажами. </a:t>
-            </a:r>
-            <a:r>
-              <a:rPr lang="ru-RU" sz="1400" dirty="0" smtClean="0"/>
-              <a:t>У персонажа есть характеристики, такие как здоровье, </a:t>
-            </a:r>
-            <a:r>
-              <a:rPr lang="ru-RU" sz="1400" dirty="0" smtClean="0"/>
-              <a:t>урон, уровень. Персонажи могут перемещаться по зоне. Пользователь может управлять персонажами.</a:t>
-            </a:r>
-            <a:endParaRPr lang="ru-RU" sz="1400" dirty="0" smtClean="0"/>
+              <a:t> - это игровой объект, которым может взаимодействовать с другими объектами и персонажами. У персонажа есть характеристики, такие как здоровье, урон, уровень. Персонажи могут перемещаться по зоне. Пользователь может управлять персонажами.</a:t>
+            </a:r>
           </a:p>
           <a:p>
             <a:r>
@@ -4585,13 +4547,8 @@
             </a:r>
             <a:r>
               <a:rPr lang="ru-RU" sz="1400" dirty="0" smtClean="0"/>
-              <a:t> - это логика, определяющая, как персонажи и объекты появляются или </a:t>
-            </a:r>
-            <a:r>
-              <a:rPr lang="ru-RU" sz="1400" dirty="0" smtClean="0"/>
-              <a:t>исчезают, когда устанавливается новая зона, а предыдущая удаляется с рабочего окна.</a:t>
-            </a:r>
-            <a:endParaRPr lang="ru-RU" sz="1400" dirty="0" smtClean="0"/>
+              <a:t> - это логика, определяющая, как персонажи и объекты появляются или исчезают, когда устанавливается новая зона, а предыдущая удаляется с рабочего окна.</a:t>
+            </a:r>
           </a:p>
           <a:p>
             <a:r>
@@ -4604,11 +4561,7 @@
             </a:r>
             <a:r>
               <a:rPr lang="ru-RU" sz="1400" smtClean="0"/>
-              <a:t>действие </a:t>
-            </a:r>
-            <a:r>
-              <a:rPr lang="ru-RU" sz="1400" smtClean="0"/>
-              <a:t>пользователя, </a:t>
+              <a:t>действие пользователя, </a:t>
             </a:r>
             <a:r>
               <a:rPr lang="ru-RU" sz="1400" dirty="0" smtClean="0"/>
@@ -4926,7 +4879,7 @@
       </p:sp>
       <p:pic>
         <p:nvPicPr>
-          <p:cNvPr id="4098" name="Picture 2" descr="C:\Users\KShevchenko\Downloads\архитектура.png"/>
+          <p:cNvPr id="1026" name="Picture 2" descr="C:\Users\KShevchenko\Downloads\архитектура (1).png"/>
           <p:cNvPicPr>
             <a:picLocks noChangeAspect="1" noChangeArrowheads="1"/>
           </p:cNvPicPr>
@@ -4941,8 +4894,8 @@
         </p:blipFill>
         <p:spPr bwMode="auto">
           <a:xfrm>
-            <a:off x="152400" y="914400"/>
-            <a:ext cx="8870430" cy="5440970"/>
+            <a:off x="5426" y="990600"/>
+            <a:ext cx="9138574" cy="5605445"/>
           </a:xfrm>
           <a:prstGeom prst="rect">
             <a:avLst/>
